--- a/slides/closing_streaming.pptx
+++ b/slides/closing_streaming.pptx
@@ -14,7 +14,7 @@
     <p:sldId id="280" r:id="rId5"/>
     <p:sldId id="266" r:id="rId6"/>
     <p:sldId id="289" r:id="rId7"/>
-    <p:sldId id="290" r:id="rId8"/>
+    <p:sldId id="291" r:id="rId8"/>
     <p:sldId id="273" r:id="rId9"/>
     <p:sldId id="276" r:id="rId10"/>
     <p:sldId id="277" r:id="rId11"/>
@@ -126,7 +126,7 @@
   </p:defaultTextStyle>
   <p:extLst>
     <p:ext uri="{EFAFB233-063F-42B5-8137-9DF3F51BA10A}">
-      <p15:sldGuideLst xmlns:p15="http://schemas.microsoft.com/office/powerpoint/2012/main" xmlns="">
+      <p15:sldGuideLst xmlns="" xmlns:p15="http://schemas.microsoft.com/office/powerpoint/2012/main">
         <p15:guide id="1" orient="horz" pos="2160">
           <p15:clr>
             <a:srgbClr val="A4A3A4"/>
@@ -225,7 +225,7 @@
           <a:p>
             <a:fld id="{F01141F9-3E73-7448-86C2-E96D93FE379F}" type="datetimeFigureOut">
               <a:rPr lang="en-US" smtClean="0"/>
-              <a:t>01/09/15</a:t>
+              <a:t>29/03/16</a:t>
             </a:fld>
             <a:endParaRPr lang="en-US"/>
           </a:p>
@@ -4169,17 +4169,7 @@
                 <a:latin typeface="Avenir Next Regular"/>
                 <a:cs typeface="Avenir Next Regular"/>
               </a:rPr>
-              <a:t>September 2nd, </a:t>
-            </a:r>
-            <a:r>
-              <a:rPr lang="en-US" dirty="0" smtClean="0">
-                <a:solidFill>
-                  <a:schemeClr val="bg1"/>
-                </a:solidFill>
-                <a:latin typeface="Avenir Next Regular"/>
-                <a:cs typeface="Avenir Next Regular"/>
-              </a:rPr>
-              <a:t>2015</a:t>
+              <a:t>September 2nd, 2015</a:t>
             </a:r>
             <a:endParaRPr lang="en-US" dirty="0">
               <a:solidFill>
@@ -6064,15 +6054,7 @@
             </a:r>
             <a:r>
               <a:rPr lang="en-US" dirty="0" smtClean="0"/>
-              <a:t> </a:t>
-            </a:r>
-            <a:r>
-              <a:rPr lang="en-US" dirty="0" smtClean="0"/>
-              <a:t>&amp; </a:t>
-            </a:r>
-            <a:r>
-              <a:rPr lang="en-US" dirty="0" smtClean="0"/>
-              <a:t>DataStream Iterations</a:t>
+              <a:t> &amp; DataStream Iterations</a:t>
             </a:r>
           </a:p>
           <a:p>
@@ -6580,69 +6562,33 @@
                 <a:latin typeface="Courier New" panose="02070309020205020404" pitchFamily="49" charset="0"/>
                 <a:cs typeface="Courier New" panose="02070309020205020404" pitchFamily="49" charset="0"/>
               </a:rPr>
-              <a:t>(word,1))}  </a:t>
-            </a:r>
-          </a:p>
-          <a:p>
+              <a:t>(word,1))}</a:t>
+            </a:r>
+          </a:p>
+          <a:p>
+            <a:r>
+              <a:rPr lang="en-US" dirty="0">
+                <a:latin typeface="Courier New" panose="02070309020205020404" pitchFamily="49" charset="0"/>
+                <a:cs typeface="Courier New" panose="02070309020205020404" pitchFamily="49" charset="0"/>
+              </a:rPr>
+              <a:t> </a:t>
+            </a:r>
             <a:r>
               <a:rPr lang="en-US" dirty="0" smtClean="0">
                 <a:latin typeface="Courier New" panose="02070309020205020404" pitchFamily="49" charset="0"/>
                 <a:cs typeface="Courier New" panose="02070309020205020404" pitchFamily="49" charset="0"/>
               </a:rPr>
-              <a:t>     .</a:t>
-            </a:r>
-            <a:r>
-              <a:rPr lang="en-US" b="1" dirty="0" smtClean="0">
+              <a:t>    .</a:t>
+            </a:r>
+            <a:r>
+              <a:rPr lang="en-US" b="1" dirty="0" err="1" smtClean="0">
                 <a:solidFill>
                   <a:schemeClr val="accent2"/>
                 </a:solidFill>
                 <a:latin typeface="Courier New" panose="02070309020205020404" pitchFamily="49" charset="0"/>
                 <a:cs typeface="Courier New" panose="02070309020205020404" pitchFamily="49" charset="0"/>
               </a:rPr>
-              <a:t>window</a:t>
-            </a:r>
-            <a:r>
-              <a:rPr lang="en-US" dirty="0" smtClean="0">
-                <a:latin typeface="Courier New" panose="02070309020205020404" pitchFamily="49" charset="0"/>
-                <a:cs typeface="Courier New" panose="02070309020205020404" pitchFamily="49" charset="0"/>
-              </a:rPr>
-              <a:t>(Count.of(1000)).</a:t>
-            </a:r>
-            <a:r>
-              <a:rPr lang="en-US" b="1" dirty="0" smtClean="0">
-                <a:solidFill>
-                  <a:schemeClr val="accent2"/>
-                </a:solidFill>
-                <a:latin typeface="Courier New" panose="02070309020205020404" pitchFamily="49" charset="0"/>
-                <a:cs typeface="Courier New" panose="02070309020205020404" pitchFamily="49" charset="0"/>
-              </a:rPr>
-              <a:t>every</a:t>
-            </a:r>
-            <a:r>
-              <a:rPr lang="en-US" dirty="0" smtClean="0">
-                <a:latin typeface="Courier New" panose="02070309020205020404" pitchFamily="49" charset="0"/>
-                <a:cs typeface="Courier New" panose="02070309020205020404" pitchFamily="49" charset="0"/>
-              </a:rPr>
-              <a:t>(Count.of(100))</a:t>
-            </a:r>
-          </a:p>
-          <a:p>
-            <a:r>
-              <a:rPr lang="en-US" dirty="0" smtClean="0">
-                <a:latin typeface="Courier New" panose="02070309020205020404" pitchFamily="49" charset="0"/>
-                <a:cs typeface="Courier New" panose="02070309020205020404" pitchFamily="49" charset="0"/>
-              </a:rPr>
-              <a:t>     .</a:t>
-            </a:r>
-            <a:r>
-              <a:rPr lang="en-US" b="1" dirty="0">
-                <a:solidFill>
-                  <a:schemeClr val="accent2"/>
-                </a:solidFill>
-                <a:latin typeface="Courier New" panose="02070309020205020404" pitchFamily="49" charset="0"/>
-                <a:cs typeface="Courier New" panose="02070309020205020404" pitchFamily="49" charset="0"/>
-              </a:rPr>
-              <a:t>groupBy</a:t>
+              <a:t>keyBy</a:t>
             </a:r>
             <a:r>
               <a:rPr lang="en-US" dirty="0" smtClean="0">
@@ -6652,7 +6598,7 @@
               <a:t>(</a:t>
             </a:r>
             <a:r>
-              <a:rPr lang="en-US" b="1" dirty="0" smtClean="0">
+              <a:rPr lang="en-US" b="1" dirty="0">
                 <a:solidFill>
                   <a:schemeClr val="accent1"/>
                 </a:solidFill>
@@ -6660,6 +6606,43 @@
                 <a:cs typeface="Courier New" panose="02070309020205020404" pitchFamily="49" charset="0"/>
               </a:rPr>
               <a:t>"word"</a:t>
+            </a:r>
+            <a:r>
+              <a:rPr lang="en-US" dirty="0" smtClean="0">
+                <a:latin typeface="Courier New" panose="02070309020205020404" pitchFamily="49" charset="0"/>
+                <a:cs typeface="Courier New" panose="02070309020205020404" pitchFamily="49" charset="0"/>
+              </a:rPr>
+              <a:t>)</a:t>
+            </a:r>
+            <a:endParaRPr lang="en-US" dirty="0" smtClean="0">
+              <a:latin typeface="Courier New" panose="02070309020205020404" pitchFamily="49" charset="0"/>
+              <a:cs typeface="Courier New" panose="02070309020205020404" pitchFamily="49" charset="0"/>
+            </a:endParaRPr>
+          </a:p>
+          <a:p>
+            <a:r>
+              <a:rPr lang="en-US" dirty="0" smtClean="0">
+                <a:latin typeface="Courier New" panose="02070309020205020404" pitchFamily="49" charset="0"/>
+                <a:cs typeface="Courier New" panose="02070309020205020404" pitchFamily="49" charset="0"/>
+              </a:rPr>
+              <a:t>     .</a:t>
+            </a:r>
+            <a:r>
+              <a:rPr lang="en-US" b="1" dirty="0" err="1" smtClean="0">
+                <a:solidFill>
+                  <a:schemeClr val="accent2"/>
+                </a:solidFill>
+                <a:latin typeface="Courier New" panose="02070309020205020404" pitchFamily="49" charset="0"/>
+                <a:cs typeface="Courier New" panose="02070309020205020404" pitchFamily="49" charset="0"/>
+              </a:rPr>
+              <a:t>countWindow</a:t>
+            </a:r>
+            <a:r>
+              <a:rPr lang="en-US" dirty="0">
+                <a:latin typeface="Courier New" panose="02070309020205020404" pitchFamily="49" charset="0"/>
+                <a:cs typeface="Courier New" panose="02070309020205020404" pitchFamily="49" charset="0"/>
+              </a:rPr>
+              <a:t>(1000, 100</a:t>
             </a:r>
             <a:r>
               <a:rPr lang="en-US" dirty="0" smtClean="0">
@@ -6679,7 +6662,7 @@
               <a:t>sum</a:t>
             </a:r>
             <a:r>
-              <a:rPr lang="en-US" dirty="0" smtClean="0">
+              <a:rPr lang="en-US" dirty="0">
                 <a:latin typeface="Courier New" panose="02070309020205020404" pitchFamily="49" charset="0"/>
                 <a:cs typeface="Courier New" panose="02070309020205020404" pitchFamily="49" charset="0"/>
               </a:rPr>
@@ -6693,25 +6676,19 @@
                 <a:latin typeface="Courier New" panose="02070309020205020404" pitchFamily="49" charset="0"/>
                 <a:cs typeface="Courier New" panose="02070309020205020404" pitchFamily="49" charset="0"/>
               </a:rPr>
-              <a:t>"count</a:t>
-            </a:r>
-            <a:r>
-              <a:rPr lang="en-US" b="1" dirty="0" smtClean="0">
-                <a:solidFill>
-                  <a:schemeClr val="accent1"/>
-                </a:solidFill>
-                <a:latin typeface="Courier New" panose="02070309020205020404" pitchFamily="49" charset="0"/>
-                <a:cs typeface="Courier New" panose="02070309020205020404" pitchFamily="49" charset="0"/>
-              </a:rPr>
-              <a:t>"</a:t>
+              <a:t>"count"</a:t>
             </a:r>
             <a:r>
               <a:rPr lang="en-US" dirty="0">
                 <a:latin typeface="Courier New" panose="02070309020205020404" pitchFamily="49" charset="0"/>
                 <a:cs typeface="Courier New" panose="02070309020205020404" pitchFamily="49" charset="0"/>
               </a:rPr>
-              <a:t>)</a:t>
-            </a:r>
+              <a:t>) </a:t>
+            </a:r>
+            <a:endParaRPr lang="en-US" dirty="0" smtClean="0">
+              <a:latin typeface="Courier New" panose="02070309020205020404" pitchFamily="49" charset="0"/>
+              <a:cs typeface="Courier New" panose="02070309020205020404" pitchFamily="49" charset="0"/>
+            </a:endParaRPr>
           </a:p>
           <a:p>
             <a:r>
@@ -7107,7 +7084,7 @@
     </p:spTree>
     <p:extLst>
       <p:ext uri="{BB962C8B-B14F-4D97-AF65-F5344CB8AC3E}">
-        <p14:creationId xmlns:p14="http://schemas.microsoft.com/office/powerpoint/2010/main" val="49590977"/>
+        <p14:creationId xmlns:p14="http://schemas.microsoft.com/office/powerpoint/2010/main" val="2392987183"/>
       </p:ext>
     </p:extLst>
   </p:cSld>
